--- a/doc/figures.pptx
+++ b/doc/figures.pptx
@@ -5,11 +5,12 @@
     <p:sldMasterId id="2147483648" r:id="rId1"/>
   </p:sldMasterIdLst>
   <p:notesMasterIdLst>
-    <p:notesMasterId r:id="rId4"/>
+    <p:notesMasterId r:id="rId5"/>
   </p:notesMasterIdLst>
   <p:sldIdLst>
     <p:sldId id="256" r:id="rId2"/>
     <p:sldId id="257" r:id="rId3"/>
+    <p:sldId id="258" r:id="rId4"/>
   </p:sldIdLst>
   <p:sldSz cx="9144000" cy="6858000" type="screen4x3"/>
   <p:notesSz cx="6858000" cy="9144000"/>
@@ -223,7 +224,7 @@
           <a:p>
             <a:fld id="{FEE378EA-4A8D-490C-85BC-FEBAA5FA2DF5}" type="datetimeFigureOut">
               <a:rPr lang="ko-KR" altLang="en-US" smtClean="0"/>
-              <a:t>2019. 7. 9.</a:t>
+              <a:t>2019. 7. 16.</a:t>
             </a:fld>
             <a:endParaRPr lang="ko-KR" altLang="en-US"/>
           </a:p>
@@ -672,7 +673,7 @@
           <a:p>
             <a:fld id="{EEEF8B7E-A3CE-49D9-AFD2-262247C11F00}" type="datetime1">
               <a:rPr lang="ko-KR" altLang="en-US" smtClean="0"/>
-              <a:t>2019. 7. 9.</a:t>
+              <a:t>2019. 7. 16.</a:t>
             </a:fld>
             <a:endParaRPr lang="ko-KR" altLang="en-US"/>
           </a:p>
@@ -826,7 +827,7 @@
           <a:p>
             <a:fld id="{F9D9140D-F78D-45D9-BB4F-AE8A4432076E}" type="datetime1">
               <a:rPr lang="ko-KR" altLang="en-US" smtClean="0"/>
-              <a:t>2019. 7. 9.</a:t>
+              <a:t>2019. 7. 16.</a:t>
             </a:fld>
             <a:endParaRPr lang="ko-KR" altLang="en-US"/>
           </a:p>
@@ -1006,7 +1007,7 @@
           <a:p>
             <a:fld id="{7C5454F7-26D8-4D41-BB3D-578384867F53}" type="datetime1">
               <a:rPr lang="ko-KR" altLang="en-US" smtClean="0"/>
-              <a:t>2019. 7. 9.</a:t>
+              <a:t>2019. 7. 16.</a:t>
             </a:fld>
             <a:endParaRPr lang="ko-KR" altLang="en-US"/>
           </a:p>
@@ -1196,7 +1197,7 @@
           <a:p>
             <a:fld id="{B5D47BA9-0F7A-4DB2-8EC7-66CFC561AF9B}" type="datetime1">
               <a:rPr lang="ko-KR" altLang="en-US" smtClean="0"/>
-              <a:t>2019. 7. 9.</a:t>
+              <a:t>2019. 7. 16.</a:t>
             </a:fld>
             <a:endParaRPr lang="ko-KR" altLang="en-US"/>
           </a:p>
@@ -1468,7 +1469,7 @@
           <a:p>
             <a:fld id="{21AC4B03-C2B9-4C80-91D9-A7088661262C}" type="datetime1">
               <a:rPr lang="ko-KR" altLang="en-US" smtClean="0"/>
-              <a:t>2019. 7. 9.</a:t>
+              <a:t>2019. 7. 16.</a:t>
             </a:fld>
             <a:endParaRPr lang="ko-KR" altLang="en-US"/>
           </a:p>
@@ -1763,7 +1764,7 @@
           <a:p>
             <a:fld id="{F3B5994F-B847-4BD1-9E3C-101158ECB3F1}" type="datetime1">
               <a:rPr lang="ko-KR" altLang="en-US" smtClean="0"/>
-              <a:t>2019. 7. 9.</a:t>
+              <a:t>2019. 7. 16.</a:t>
             </a:fld>
             <a:endParaRPr lang="ko-KR" altLang="en-US"/>
           </a:p>
@@ -2192,7 +2193,7 @@
           <a:p>
             <a:fld id="{35C5AAF5-6D36-49D2-B13A-E2DA3E83BD75}" type="datetime1">
               <a:rPr lang="ko-KR" altLang="en-US" smtClean="0"/>
-              <a:t>2019. 7. 9.</a:t>
+              <a:t>2019. 7. 16.</a:t>
             </a:fld>
             <a:endParaRPr lang="ko-KR" altLang="en-US"/>
           </a:p>
@@ -2310,7 +2311,7 @@
           <a:p>
             <a:fld id="{B04C4732-906A-41B7-A1D4-C5711184F281}" type="datetime1">
               <a:rPr lang="ko-KR" altLang="en-US" smtClean="0"/>
-              <a:t>2019. 7. 9.</a:t>
+              <a:t>2019. 7. 16.</a:t>
             </a:fld>
             <a:endParaRPr lang="ko-KR" altLang="en-US"/>
           </a:p>
@@ -2405,7 +2406,7 @@
           <a:p>
             <a:fld id="{5639E4C8-2DBF-4819-A4E3-05EE1904AFA0}" type="datetime1">
               <a:rPr lang="ko-KR" altLang="en-US" smtClean="0"/>
-              <a:t>2019. 7. 9.</a:t>
+              <a:t>2019. 7. 16.</a:t>
             </a:fld>
             <a:endParaRPr lang="ko-KR" altLang="en-US"/>
           </a:p>
@@ -2682,7 +2683,7 @@
           <a:p>
             <a:fld id="{397B8884-08EA-4312-97F1-ABFAAECC5F72}" type="datetime1">
               <a:rPr lang="ko-KR" altLang="en-US" smtClean="0"/>
-              <a:t>2019. 7. 9.</a:t>
+              <a:t>2019. 7. 16.</a:t>
             </a:fld>
             <a:endParaRPr lang="ko-KR" altLang="en-US"/>
           </a:p>
@@ -2935,7 +2936,7 @@
           <a:p>
             <a:fld id="{E44ED15B-F818-4C17-A233-19F573A41E74}" type="datetime1">
               <a:rPr lang="ko-KR" altLang="en-US" smtClean="0"/>
-              <a:t>2019. 7. 9.</a:t>
+              <a:t>2019. 7. 16.</a:t>
             </a:fld>
             <a:endParaRPr lang="ko-KR" altLang="en-US"/>
           </a:p>
@@ -3148,7 +3149,7 @@
           <a:p>
             <a:fld id="{BEC4761C-3CDB-4265-986D-798670EDA1F6}" type="datetime1">
               <a:rPr lang="ko-KR" altLang="en-US" smtClean="0"/>
-              <a:t>2019. 7. 9.</a:t>
+              <a:t>2019. 7. 16.</a:t>
             </a:fld>
             <a:endParaRPr lang="ko-KR" altLang="en-US"/>
           </a:p>
@@ -4904,11 +4905,7 @@
           <a:p>
             <a:r>
               <a:rPr lang="en-US" altLang="ko-KR" sz="1400" dirty="0" smtClean="0"/>
-              <a:t>Pub Topic: </a:t>
-            </a:r>
-            <a:r>
-              <a:rPr lang="en-US" altLang="ko-KR" sz="1400" dirty="0" smtClean="0"/>
-              <a:t>Update</a:t>
+              <a:t>Pub Topic: Update</a:t>
             </a:r>
           </a:p>
           <a:p>
@@ -5040,11 +5037,7 @@
             </a:r>
             <a:r>
               <a:rPr lang="en-US" altLang="ko-KR" sz="1400" smtClean="0"/>
-              <a:t>: </a:t>
-            </a:r>
-            <a:r>
-              <a:rPr lang="en-US" altLang="ko-KR" sz="1400" smtClean="0"/>
-              <a:t>Update</a:t>
+              <a:t>: Update</a:t>
             </a:r>
             <a:br>
               <a:rPr lang="en-US" altLang="ko-KR" sz="1400" smtClean="0"/>
@@ -5412,6 +5405,84 @@
     <p:extLst>
       <p:ext uri="{BB962C8B-B14F-4D97-AF65-F5344CB8AC3E}">
         <p14:creationId xmlns:p14="http://schemas.microsoft.com/office/powerpoint/2010/main" val="3015303843"/>
+      </p:ext>
+    </p:extLst>
+  </p:cSld>
+  <p:clrMapOvr>
+    <a:masterClrMapping/>
+  </p:clrMapOvr>
+</p:sld>
+</file>
+
+<file path=ppt/slides/slide3.xml><?xml version="1.0" encoding="utf-8"?>
+<p:sld xmlns:a="http://schemas.openxmlformats.org/drawingml/2006/main" xmlns:r="http://schemas.openxmlformats.org/officeDocument/2006/relationships" xmlns:p="http://schemas.openxmlformats.org/presentationml/2006/main">
+  <p:cSld>
+    <p:spTree>
+      <p:nvGrpSpPr>
+        <p:cNvPr id="1" name=""/>
+        <p:cNvGrpSpPr/>
+        <p:nvPr/>
+      </p:nvGrpSpPr>
+      <p:grpSpPr>
+        <a:xfrm>
+          <a:off x="0" y="0"/>
+          <a:ext cx="0" cy="0"/>
+          <a:chOff x="0" y="0"/>
+          <a:chExt cx="0" cy="0"/>
+        </a:xfrm>
+      </p:grpSpPr>
+      <p:sp>
+        <p:nvSpPr>
+          <p:cNvPr id="4" name="슬라이드 번호 개체 틀 3"/>
+          <p:cNvSpPr>
+            <a:spLocks noGrp="1"/>
+          </p:cNvSpPr>
+          <p:nvPr>
+            <p:ph type="sldNum" sz="quarter" idx="12"/>
+          </p:nvPr>
+        </p:nvSpPr>
+        <p:spPr/>
+        <p:txBody>
+          <a:bodyPr/>
+          <a:lstStyle/>
+          <a:p>
+            <a:fld id="{868BA19B-9FCC-4678-A5F8-D92728246174}" type="slidenum">
+              <a:rPr lang="ko-KR" altLang="en-US" smtClean="0"/>
+              <a:pPr/>
+              <a:t>3</a:t>
+            </a:fld>
+            <a:endParaRPr lang="ko-KR" altLang="en-US" dirty="0" smtClean="0"/>
+          </a:p>
+        </p:txBody>
+      </p:sp>
+      <p:pic>
+        <p:nvPicPr>
+          <p:cNvPr id="6" name="그림 5"/>
+          <p:cNvPicPr>
+            <a:picLocks noChangeAspect="1"/>
+          </p:cNvPicPr>
+          <p:nvPr/>
+        </p:nvPicPr>
+        <p:blipFill>
+          <a:blip r:embed="rId2"/>
+          <a:stretch>
+            <a:fillRect/>
+          </a:stretch>
+        </p:blipFill>
+        <p:spPr>
+          <a:xfrm>
+            <a:off x="0" y="1414745"/>
+            <a:ext cx="9144000" cy="4028509"/>
+          </a:xfrm>
+          <a:prstGeom prst="rect">
+            <a:avLst/>
+          </a:prstGeom>
+        </p:spPr>
+      </p:pic>
+    </p:spTree>
+    <p:extLst>
+      <p:ext uri="{BB962C8B-B14F-4D97-AF65-F5344CB8AC3E}">
+        <p14:creationId xmlns:p14="http://schemas.microsoft.com/office/powerpoint/2010/main" val="324633385"/>
       </p:ext>
     </p:extLst>
   </p:cSld>
